--- a/Document-Templates/SoftUni-PowerPoint-Template-Nov-2020.pptx
+++ b/Document-Templates/SoftUni-PowerPoint-Template-Nov-2020.pptx
@@ -301,7 +301,7 @@
           <a:p>
             <a:fld id="{4E087215-0C8F-4762-A664-737A353EC9A4}" type="datetimeFigureOut">
               <a:rPr lang="bg-BG" smtClean="0"/>
-              <a:t>12.11.2020 г.</a:t>
+              <a:t>25.8.2023 г.</a:t>
             </a:fld>
             <a:endParaRPr lang="bg-BG"/>
           </a:p>
@@ -492,7 +492,7 @@
           <a:p>
             <a:fld id="{72D84649-876A-46C9-8472-14CB09C070D8}" type="datetimeFigureOut">
               <a:rPr lang="en-US" smtClean="0"/>
-              <a:t>12-Nov-20</a:t>
+              <a:t>25-Aug-23</a:t>
             </a:fld>
             <a:endParaRPr lang="en-US"/>
           </a:p>
@@ -14254,6 +14254,49 @@
           </a:p>
         </p:txBody>
       </p:sp>
+      <p:pic>
+        <p:nvPicPr>
+          <p:cNvPr id="4" name="Picture Placeholder 5" descr="A person using a computer&#10;&#10;Description automatically generated">
+            <a:extLst>
+              <a:ext uri="{FF2B5EF4-FFF2-40B4-BE49-F238E27FC236}">
+                <a16:creationId xmlns:a16="http://schemas.microsoft.com/office/drawing/2014/main" id="{3656B3B2-905B-3F32-BB53-0F64CC2F0CB8}"/>
+              </a:ext>
+            </a:extLst>
+          </p:cNvPr>
+          <p:cNvPicPr>
+            <a:picLocks noGrp="1" noChangeAspect="1"/>
+          </p:cNvPicPr>
+          <p:nvPr>
+            <p:ph type="pic" sz="quarter" idx="10"/>
+          </p:nvPr>
+        </p:nvPicPr>
+        <p:blipFill>
+          <a:blip r:embed="rId4" cstate="print">
+            <a:extLst>
+              <a:ext uri="{28A0092B-C50C-407E-A947-70E740481C1C}">
+                <a14:useLocalDpi xmlns:a14="http://schemas.microsoft.com/office/drawing/2010/main" val="0"/>
+              </a:ext>
+            </a:extLst>
+          </a:blip>
+          <a:srcRect/>
+          <a:stretch>
+            <a:fillRect/>
+          </a:stretch>
+        </p:blipFill>
+        <p:spPr>
+          <a:xfrm>
+            <a:off x="4386000" y="2924668"/>
+            <a:ext cx="3670560" cy="2068844"/>
+          </a:xfrm>
+          <a:ln>
+            <a:solidFill>
+              <a:schemeClr val="bg2">
+                <a:lumMod val="85000"/>
+              </a:schemeClr>
+            </a:solidFill>
+          </a:ln>
+        </p:spPr>
+      </p:pic>
     </p:spTree>
     <p:extLst>
       <p:ext uri="{BB962C8B-B14F-4D97-AF65-F5344CB8AC3E}">
@@ -22298,10 +22341,37 @@
       </p:grpSpPr>
       <p:sp>
         <p:nvSpPr>
-          <p:cNvPr id="10" name="Slide Number Placeholder 6">
+          <p:cNvPr id="4" name="Slide Title"/>
+          <p:cNvSpPr>
+            <a:spLocks noGrp="1"/>
+          </p:cNvSpPr>
+          <p:nvPr>
+            <p:ph type="title"/>
+          </p:nvPr>
+        </p:nvSpPr>
+        <p:spPr>
+          <a:xfrm>
+            <a:off x="190405" y="100750"/>
+            <a:ext cx="9669213" cy="882654"/>
+          </a:xfrm>
+        </p:spPr>
+        <p:txBody>
+          <a:bodyPr/>
+          <a:lstStyle/>
+          <a:p>
+            <a:r>
+              <a:rPr lang="en-US" dirty="0"/>
+              <a:t>Solution: Extract Unique Words</a:t>
+            </a:r>
+          </a:p>
+        </p:txBody>
+      </p:sp>
+      <p:sp>
+        <p:nvSpPr>
+          <p:cNvPr id="2" name="Slide Number Placeholder 6">
             <a:extLst>
               <a:ext uri="{FF2B5EF4-FFF2-40B4-BE49-F238E27FC236}">
-                <a16:creationId xmlns:a16="http://schemas.microsoft.com/office/drawing/2014/main" id="{5B1D9F42-34DC-4E3F-A9A1-82D78CF82DEE}"/>
+                <a16:creationId xmlns:a16="http://schemas.microsoft.com/office/drawing/2014/main" id="{680949AF-4B99-BFD1-ACCE-51C0AEDE0D24}"/>
               </a:ext>
             </a:extLst>
           </p:cNvPr>
@@ -22428,40 +22498,216 @@
       </p:sp>
       <p:sp>
         <p:nvSpPr>
-          <p:cNvPr id="3" name="Text Placeholder 2">
+          <p:cNvPr id="6" name="Text Placeholder 2">
             <a:extLst>
               <a:ext uri="{FF2B5EF4-FFF2-40B4-BE49-F238E27FC236}">
-                <a16:creationId xmlns:a16="http://schemas.microsoft.com/office/drawing/2014/main" id="{62F9E22D-0BA1-418D-B969-CC05C43A08F3}"/>
+                <a16:creationId xmlns:a16="http://schemas.microsoft.com/office/drawing/2014/main" id="{91A94318-AD0A-451B-6E37-94CAFE0C77BA}"/>
               </a:ext>
             </a:extLst>
           </p:cNvPr>
-          <p:cNvSpPr>
-            <a:spLocks noGrp="1"/>
+          <p:cNvSpPr txBox="1">
+            <a:spLocks/>
           </p:cNvSpPr>
-          <p:nvPr>
-            <p:ph type="body" sz="quarter" idx="4294967295"/>
-          </p:nvPr>
+          <p:nvPr/>
         </p:nvSpPr>
         <p:spPr>
           <a:xfrm>
             <a:off x="190501" y="1166309"/>
             <a:ext cx="11811097" cy="5561124"/>
           </a:xfrm>
+          <a:prstGeom prst="rect">
+            <a:avLst/>
+          </a:prstGeom>
         </p:spPr>
         <p:txBody>
-          <a:bodyPr/>
-          <a:lstStyle/>
-          <a:p>
-            <a:r>
-              <a:rPr lang="en-US" dirty="0"/>
+          <a:bodyPr vert="horz" lIns="108000" tIns="36000" rIns="108000" bIns="36000" rtlCol="0">
+            <a:normAutofit/>
+          </a:bodyPr>
+          <a:lstStyle>
+            <a:lvl1pPr marL="360363" indent="-360363" algn="l" defTabSz="1218438" rtl="0" eaLnBrk="1" latinLnBrk="0" hangingPunct="1">
+              <a:lnSpc>
+                <a:spcPct val="105000"/>
+              </a:lnSpc>
+              <a:spcBef>
+                <a:spcPts val="600"/>
+              </a:spcBef>
+              <a:spcAft>
+                <a:spcPts val="600"/>
+              </a:spcAft>
+              <a:buFont typeface="Wingdings" panose="05000000000000000000" pitchFamily="2" charset="2"/>
+              <a:buChar char="§"/>
+              <a:defRPr sz="3398" kern="1200">
+                <a:solidFill>
+                  <a:schemeClr val="tx1"/>
+                </a:solidFill>
+                <a:latin typeface="+mn-lt"/>
+                <a:ea typeface="+mn-ea"/>
+                <a:cs typeface="+mn-cs"/>
+              </a:defRPr>
+            </a:lvl1pPr>
+            <a:lvl2pPr marL="803275" indent="-360363" algn="l" defTabSz="1218438" rtl="0" eaLnBrk="1" latinLnBrk="0" hangingPunct="1">
+              <a:lnSpc>
+                <a:spcPct val="105000"/>
+              </a:lnSpc>
+              <a:spcBef>
+                <a:spcPts val="600"/>
+              </a:spcBef>
+              <a:spcAft>
+                <a:spcPts val="600"/>
+              </a:spcAft>
+              <a:buFont typeface="Wingdings" panose="05000000000000000000" pitchFamily="2" charset="2"/>
+              <a:buChar char="§"/>
+              <a:defRPr sz="3198" kern="1200">
+                <a:solidFill>
+                  <a:schemeClr val="tx1"/>
+                </a:solidFill>
+                <a:latin typeface="+mn-lt"/>
+                <a:ea typeface="+mn-ea"/>
+                <a:cs typeface="+mn-cs"/>
+              </a:defRPr>
+            </a:lvl2pPr>
+            <a:lvl3pPr marL="1255713" indent="-360363" algn="l" defTabSz="1218438" rtl="0" eaLnBrk="1" latinLnBrk="0" hangingPunct="1">
+              <a:lnSpc>
+                <a:spcPct val="105000"/>
+              </a:lnSpc>
+              <a:spcBef>
+                <a:spcPts val="600"/>
+              </a:spcBef>
+              <a:spcAft>
+                <a:spcPts val="600"/>
+              </a:spcAft>
+              <a:buFont typeface="Wingdings" panose="05000000000000000000" pitchFamily="2" charset="2"/>
+              <a:buChar char="§"/>
+              <a:defRPr sz="2998" kern="1200">
+                <a:solidFill>
+                  <a:schemeClr val="tx1"/>
+                </a:solidFill>
+                <a:latin typeface="+mn-lt"/>
+                <a:ea typeface="+mn-ea"/>
+                <a:cs typeface="+mn-cs"/>
+              </a:defRPr>
+            </a:lvl3pPr>
+            <a:lvl4pPr marL="1700213" indent="-352425" algn="l" defTabSz="1218438" rtl="0" eaLnBrk="1" latinLnBrk="0" hangingPunct="1">
+              <a:lnSpc>
+                <a:spcPct val="105000"/>
+              </a:lnSpc>
+              <a:spcBef>
+                <a:spcPts val="600"/>
+              </a:spcBef>
+              <a:spcAft>
+                <a:spcPts val="600"/>
+              </a:spcAft>
+              <a:buFont typeface="Wingdings" panose="05000000000000000000" pitchFamily="2" charset="2"/>
+              <a:buChar char="§"/>
+              <a:defRPr sz="2798" kern="1200">
+                <a:solidFill>
+                  <a:schemeClr val="tx1"/>
+                </a:solidFill>
+                <a:latin typeface="+mn-lt"/>
+                <a:ea typeface="+mn-ea"/>
+                <a:cs typeface="+mn-cs"/>
+              </a:defRPr>
+            </a:lvl4pPr>
+            <a:lvl5pPr marL="2058988" indent="-266700" algn="l" defTabSz="1218438" rtl="0" eaLnBrk="1" latinLnBrk="0" hangingPunct="1">
+              <a:lnSpc>
+                <a:spcPct val="105000"/>
+              </a:lnSpc>
+              <a:spcBef>
+                <a:spcPts val="600"/>
+              </a:spcBef>
+              <a:spcAft>
+                <a:spcPts val="600"/>
+              </a:spcAft>
+              <a:buFont typeface="Wingdings" panose="05000000000000000000" pitchFamily="2" charset="2"/>
+              <a:buChar char="§"/>
+              <a:defRPr sz="2598" kern="1200">
+                <a:solidFill>
+                  <a:schemeClr val="tx1"/>
+                </a:solidFill>
+                <a:latin typeface="+mn-lt"/>
+                <a:ea typeface="+mn-ea"/>
+                <a:cs typeface="+mn-cs"/>
+              </a:defRPr>
+            </a:lvl5pPr>
+            <a:lvl6pPr marL="3350704" indent="-304610" algn="l" defTabSz="1218438" rtl="0" eaLnBrk="1" latinLnBrk="1" hangingPunct="1">
+              <a:spcBef>
+                <a:spcPct val="20000"/>
+              </a:spcBef>
+              <a:buFont typeface="Arial" pitchFamily="34" charset="0"/>
+              <a:buChar char="•"/>
+              <a:defRPr sz="2665" kern="1200">
+                <a:solidFill>
+                  <a:schemeClr val="tx1"/>
+                </a:solidFill>
+                <a:latin typeface="+mn-lt"/>
+                <a:ea typeface="+mn-ea"/>
+                <a:cs typeface="+mn-cs"/>
+              </a:defRPr>
+            </a:lvl6pPr>
+            <a:lvl7pPr marL="3959924" indent="-304610" algn="l" defTabSz="1218438" rtl="0" eaLnBrk="1" latinLnBrk="1" hangingPunct="1">
+              <a:spcBef>
+                <a:spcPct val="20000"/>
+              </a:spcBef>
+              <a:buFont typeface="Arial" pitchFamily="34" charset="0"/>
+              <a:buChar char="•"/>
+              <a:defRPr sz="2665" kern="1200">
+                <a:solidFill>
+                  <a:schemeClr val="tx1"/>
+                </a:solidFill>
+                <a:latin typeface="+mn-lt"/>
+                <a:ea typeface="+mn-ea"/>
+                <a:cs typeface="+mn-cs"/>
+              </a:defRPr>
+            </a:lvl7pPr>
+            <a:lvl8pPr marL="4569143" indent="-304610" algn="l" defTabSz="1218438" rtl="0" eaLnBrk="1" latinLnBrk="1" hangingPunct="1">
+              <a:spcBef>
+                <a:spcPct val="20000"/>
+              </a:spcBef>
+              <a:buFont typeface="Arial" pitchFamily="34" charset="0"/>
+              <a:buChar char="•"/>
+              <a:defRPr sz="2665" kern="1200">
+                <a:solidFill>
+                  <a:schemeClr val="tx1"/>
+                </a:solidFill>
+                <a:latin typeface="+mn-lt"/>
+                <a:ea typeface="+mn-ea"/>
+                <a:cs typeface="+mn-cs"/>
+              </a:defRPr>
+            </a:lvl8pPr>
+            <a:lvl9pPr marL="5178362" indent="-304610" algn="l" defTabSz="1218438" rtl="0" eaLnBrk="1" latinLnBrk="1" hangingPunct="1">
+              <a:spcBef>
+                <a:spcPct val="20000"/>
+              </a:spcBef>
+              <a:buFont typeface="Arial" pitchFamily="34" charset="0"/>
+              <a:buChar char="•"/>
+              <a:defRPr sz="2665" kern="1200">
+                <a:solidFill>
+                  <a:schemeClr val="tx1"/>
+                </a:solidFill>
+                <a:latin typeface="+mn-lt"/>
+                <a:ea typeface="+mn-ea"/>
+                <a:cs typeface="+mn-cs"/>
+              </a:defRPr>
+            </a:lvl9pPr>
+          </a:lstStyle>
+          <a:p>
+            <a:r>
+              <a:rPr lang="en-US"/>
               <a:t>Sample source code:</a:t>
             </a:r>
+            <a:endParaRPr lang="en-US" dirty="0"/>
           </a:p>
         </p:txBody>
       </p:sp>
       <p:sp>
         <p:nvSpPr>
-          <p:cNvPr id="5" name="TextBox 4"/>
+          <p:cNvPr id="9" name="TextBox 8">
+            <a:extLst>
+              <a:ext uri="{FF2B5EF4-FFF2-40B4-BE49-F238E27FC236}">
+                <a16:creationId xmlns:a16="http://schemas.microsoft.com/office/drawing/2014/main" id="{10C9640F-1775-58AB-A8DB-00109809EC24}"/>
+              </a:ext>
+            </a:extLst>
+          </p:cNvPr>
           <p:cNvSpPr txBox="1"/>
           <p:nvPr/>
         </p:nvSpPr>
@@ -22498,7 +22744,13 @@
       </p:sp>
       <p:sp>
         <p:nvSpPr>
-          <p:cNvPr id="7" name="Text Placeholder 5"/>
+          <p:cNvPr id="11" name="Text Placeholder 5">
+            <a:extLst>
+              <a:ext uri="{FF2B5EF4-FFF2-40B4-BE49-F238E27FC236}">
+                <a16:creationId xmlns:a16="http://schemas.microsoft.com/office/drawing/2014/main" id="{AA7C09A8-079D-6B2C-B60E-557F57967B05}"/>
+              </a:ext>
+            </a:extLst>
+          </p:cNvPr>
           <p:cNvSpPr txBox="1">
             <a:spLocks/>
           </p:cNvSpPr>
@@ -22692,262 +22944,401 @@
       </p:sp>
       <p:sp>
         <p:nvSpPr>
-          <p:cNvPr id="8" name="Text Placeholder 7">
+          <p:cNvPr id="12" name="Text Placeholder 7">
             <a:extLst>
               <a:ext uri="{FF2B5EF4-FFF2-40B4-BE49-F238E27FC236}">
-                <a16:creationId xmlns:a16="http://schemas.microsoft.com/office/drawing/2014/main" id="{DB750A78-7DDA-425F-8CCC-F9F5728EF51B}"/>
+                <a16:creationId xmlns:a16="http://schemas.microsoft.com/office/drawing/2014/main" id="{A6F471B4-95B0-182D-A498-BD34163E295D}"/>
               </a:ext>
             </a:extLst>
           </p:cNvPr>
-          <p:cNvSpPr>
-            <a:spLocks noGrp="1"/>
+          <p:cNvSpPr txBox="1">
+            <a:spLocks/>
           </p:cNvSpPr>
-          <p:nvPr>
-            <p:ph type="body" sz="quarter" idx="4294967295"/>
-          </p:nvPr>
+          <p:nvPr/>
         </p:nvSpPr>
         <p:spPr>
           <a:xfrm>
-            <a:off x="615283" y="1851024"/>
+            <a:off x="620104" y="1851024"/>
             <a:ext cx="10951129" cy="3690535"/>
           </a:xfrm>
+          <a:prstGeom prst="rect">
+            <a:avLst/>
+          </a:prstGeom>
+          <a:solidFill>
+            <a:schemeClr val="accent6">
+              <a:lumMod val="75000"/>
+              <a:alpha val="15000"/>
+            </a:schemeClr>
+          </a:solidFill>
+          <a:ln w="12700">
+            <a:solidFill>
+              <a:schemeClr val="tx1">
+                <a:lumMod val="50000"/>
+              </a:schemeClr>
+            </a:solidFill>
+          </a:ln>
         </p:spPr>
         <p:txBody>
-          <a:bodyPr>
-            <a:normAutofit fontScale="85000" lnSpcReduction="20000"/>
+          <a:bodyPr vert="horz" wrap="square" lIns="144000" tIns="108000" rIns="144000" bIns="108000" rtlCol="0">
+            <a:spAutoFit/>
           </a:bodyPr>
-          <a:lstStyle/>
-          <a:p>
-            <a:r>
-              <a:rPr lang="en-US" sz="2400" dirty="0"/>
+          <a:lstStyle>
+            <a:lvl1pPr marL="360363" indent="-360363" algn="l" defTabSz="1218438" rtl="0" eaLnBrk="1" latinLnBrk="0" hangingPunct="1">
+              <a:lnSpc>
+                <a:spcPct val="105000"/>
+              </a:lnSpc>
+              <a:spcBef>
+                <a:spcPts val="600"/>
+              </a:spcBef>
+              <a:spcAft>
+                <a:spcPts val="600"/>
+              </a:spcAft>
+              <a:buFont typeface="Wingdings" panose="05000000000000000000" pitchFamily="2" charset="2"/>
+              <a:buChar char="§"/>
+              <a:defRPr sz="3398" kern="1200">
+                <a:solidFill>
+                  <a:schemeClr val="tx1"/>
+                </a:solidFill>
+                <a:latin typeface="+mn-lt"/>
+                <a:ea typeface="+mn-ea"/>
+                <a:cs typeface="+mn-cs"/>
+              </a:defRPr>
+            </a:lvl1pPr>
+            <a:lvl2pPr marL="803275" indent="-360363" algn="l" defTabSz="1218438" rtl="0" eaLnBrk="1" latinLnBrk="0" hangingPunct="1">
+              <a:lnSpc>
+                <a:spcPct val="105000"/>
+              </a:lnSpc>
+              <a:spcBef>
+                <a:spcPts val="600"/>
+              </a:spcBef>
+              <a:spcAft>
+                <a:spcPts val="600"/>
+              </a:spcAft>
+              <a:buFont typeface="Wingdings" panose="05000000000000000000" pitchFamily="2" charset="2"/>
+              <a:buChar char="§"/>
+              <a:defRPr sz="3198" kern="1200">
+                <a:solidFill>
+                  <a:schemeClr val="tx1"/>
+                </a:solidFill>
+                <a:latin typeface="+mn-lt"/>
+                <a:ea typeface="+mn-ea"/>
+                <a:cs typeface="+mn-cs"/>
+              </a:defRPr>
+            </a:lvl2pPr>
+            <a:lvl3pPr marL="1255713" indent="-360363" algn="l" defTabSz="1218438" rtl="0" eaLnBrk="1" latinLnBrk="0" hangingPunct="1">
+              <a:lnSpc>
+                <a:spcPct val="105000"/>
+              </a:lnSpc>
+              <a:spcBef>
+                <a:spcPts val="600"/>
+              </a:spcBef>
+              <a:spcAft>
+                <a:spcPts val="600"/>
+              </a:spcAft>
+              <a:buFont typeface="Wingdings" panose="05000000000000000000" pitchFamily="2" charset="2"/>
+              <a:buChar char="§"/>
+              <a:defRPr sz="2998" kern="1200">
+                <a:solidFill>
+                  <a:schemeClr val="tx1"/>
+                </a:solidFill>
+                <a:latin typeface="+mn-lt"/>
+                <a:ea typeface="+mn-ea"/>
+                <a:cs typeface="+mn-cs"/>
+              </a:defRPr>
+            </a:lvl3pPr>
+            <a:lvl4pPr marL="1700213" indent="-352425" algn="l" defTabSz="1218438" rtl="0" eaLnBrk="1" latinLnBrk="0" hangingPunct="1">
+              <a:lnSpc>
+                <a:spcPct val="105000"/>
+              </a:lnSpc>
+              <a:spcBef>
+                <a:spcPts val="600"/>
+              </a:spcBef>
+              <a:spcAft>
+                <a:spcPts val="600"/>
+              </a:spcAft>
+              <a:buFont typeface="Wingdings" panose="05000000000000000000" pitchFamily="2" charset="2"/>
+              <a:buChar char="§"/>
+              <a:defRPr sz="2798" kern="1200">
+                <a:solidFill>
+                  <a:schemeClr val="tx1"/>
+                </a:solidFill>
+                <a:latin typeface="+mn-lt"/>
+                <a:ea typeface="+mn-ea"/>
+                <a:cs typeface="+mn-cs"/>
+              </a:defRPr>
+            </a:lvl4pPr>
+            <a:lvl5pPr marL="2058988" indent="-266700" algn="l" defTabSz="1218438" rtl="0" eaLnBrk="1" latinLnBrk="0" hangingPunct="1">
+              <a:lnSpc>
+                <a:spcPct val="105000"/>
+              </a:lnSpc>
+              <a:spcBef>
+                <a:spcPts val="600"/>
+              </a:spcBef>
+              <a:spcAft>
+                <a:spcPts val="600"/>
+              </a:spcAft>
+              <a:buFont typeface="Wingdings" panose="05000000000000000000" pitchFamily="2" charset="2"/>
+              <a:buChar char="§"/>
+              <a:defRPr sz="2598" kern="1200">
+                <a:solidFill>
+                  <a:schemeClr val="tx1"/>
+                </a:solidFill>
+                <a:latin typeface="+mn-lt"/>
+                <a:ea typeface="+mn-ea"/>
+                <a:cs typeface="+mn-cs"/>
+              </a:defRPr>
+            </a:lvl5pPr>
+            <a:lvl6pPr marL="3350704" indent="-304610" algn="l" defTabSz="1218438" rtl="0" eaLnBrk="1" latinLnBrk="1" hangingPunct="1">
+              <a:spcBef>
+                <a:spcPct val="20000"/>
+              </a:spcBef>
+              <a:buFont typeface="Arial" pitchFamily="34" charset="0"/>
+              <a:buChar char="•"/>
+              <a:defRPr sz="2665" kern="1200">
+                <a:solidFill>
+                  <a:schemeClr val="tx1"/>
+                </a:solidFill>
+                <a:latin typeface="+mn-lt"/>
+                <a:ea typeface="+mn-ea"/>
+                <a:cs typeface="+mn-cs"/>
+              </a:defRPr>
+            </a:lvl6pPr>
+            <a:lvl7pPr marL="3959924" indent="-304610" algn="l" defTabSz="1218438" rtl="0" eaLnBrk="1" latinLnBrk="1" hangingPunct="1">
+              <a:spcBef>
+                <a:spcPct val="20000"/>
+              </a:spcBef>
+              <a:buFont typeface="Arial" pitchFamily="34" charset="0"/>
+              <a:buChar char="•"/>
+              <a:defRPr sz="2665" kern="1200">
+                <a:solidFill>
+                  <a:schemeClr val="tx1"/>
+                </a:solidFill>
+                <a:latin typeface="+mn-lt"/>
+                <a:ea typeface="+mn-ea"/>
+                <a:cs typeface="+mn-cs"/>
+              </a:defRPr>
+            </a:lvl7pPr>
+            <a:lvl8pPr marL="4569143" indent="-304610" algn="l" defTabSz="1218438" rtl="0" eaLnBrk="1" latinLnBrk="1" hangingPunct="1">
+              <a:spcBef>
+                <a:spcPct val="20000"/>
+              </a:spcBef>
+              <a:buFont typeface="Arial" pitchFamily="34" charset="0"/>
+              <a:buChar char="•"/>
+              <a:defRPr sz="2665" kern="1200">
+                <a:solidFill>
+                  <a:schemeClr val="tx1"/>
+                </a:solidFill>
+                <a:latin typeface="+mn-lt"/>
+                <a:ea typeface="+mn-ea"/>
+                <a:cs typeface="+mn-cs"/>
+              </a:defRPr>
+            </a:lvl8pPr>
+            <a:lvl9pPr marL="5178362" indent="-304610" algn="l" defTabSz="1218438" rtl="0" eaLnBrk="1" latinLnBrk="1" hangingPunct="1">
+              <a:spcBef>
+                <a:spcPct val="20000"/>
+              </a:spcBef>
+              <a:buFont typeface="Arial" pitchFamily="34" charset="0"/>
+              <a:buChar char="•"/>
+              <a:defRPr sz="2665" kern="1200">
+                <a:solidFill>
+                  <a:schemeClr val="tx1"/>
+                </a:solidFill>
+                <a:latin typeface="+mn-lt"/>
+                <a:ea typeface="+mn-ea"/>
+                <a:cs typeface="+mn-cs"/>
+              </a:defRPr>
+            </a:lvl9pPr>
+          </a:lstStyle>
+          <a:p>
+            <a:pPr marL="0" indent="0">
+              <a:spcBef>
+                <a:spcPts val="0"/>
+              </a:spcBef>
+              <a:spcAft>
+                <a:spcPts val="0"/>
+              </a:spcAft>
+              <a:buFont typeface="Wingdings" panose="05000000000000000000" pitchFamily="2" charset="2"/>
+              <a:buNone/>
+            </a:pPr>
+            <a:r>
+              <a:rPr lang="en-US" sz="2400" b="1" noProof="1">
+                <a:latin typeface="Consolas" pitchFamily="49" charset="0"/>
+              </a:rPr>
               <a:t>function extractWords(inputSentences) {</a:t>
             </a:r>
           </a:p>
           <a:p>
-            <a:r>
-              <a:rPr lang="en-US" sz="2400" dirty="0"/>
-              <a:t>  let wordPattern = </a:t>
-            </a:r>
-            <a:r>
-              <a:rPr lang="en-US" sz="2400" dirty="0">
+            <a:pPr marL="0" indent="0">
+              <a:spcBef>
+                <a:spcPts val="0"/>
+              </a:spcBef>
+              <a:spcAft>
+                <a:spcPts val="0"/>
+              </a:spcAft>
+              <a:buFont typeface="Wingdings" panose="05000000000000000000" pitchFamily="2" charset="2"/>
+              <a:buNone/>
+            </a:pPr>
+            <a:r>
+              <a:rPr lang="en-US" sz="2400" b="1" noProof="1">
+                <a:latin typeface="Consolas" pitchFamily="49" charset="0"/>
+              </a:rPr>
+              <a:t>  let wordPattern = /</a:t>
+            </a:r>
+            <a:r>
+              <a:rPr lang="en-US" sz="2400" b="1" noProof="1">
                 <a:solidFill>
                   <a:schemeClr val="bg1"/>
                 </a:solidFill>
+                <a:latin typeface="Consolas" pitchFamily="49" charset="0"/>
               </a:rPr>
-              <a:t>/</a:t>
-            </a:r>
-            <a:r>
-              <a:rPr lang="en-US" sz="2400" dirty="0"/>
               <a:t>\b[a-zA-Z0-9_]+\b</a:t>
             </a:r>
             <a:r>
-              <a:rPr lang="en-US" sz="2400" dirty="0">
+              <a:rPr lang="en-US" sz="2400" b="1" noProof="1">
+                <a:latin typeface="Consolas" pitchFamily="49" charset="0"/>
+              </a:rPr>
+              <a:t>/g;</a:t>
+            </a:r>
+          </a:p>
+          <a:p>
+            <a:pPr marL="0" indent="0">
+              <a:spcBef>
+                <a:spcPts val="0"/>
+              </a:spcBef>
+              <a:spcAft>
+                <a:spcPts val="0"/>
+              </a:spcAft>
+              <a:buFont typeface="Wingdings" panose="05000000000000000000" pitchFamily="2" charset="2"/>
+              <a:buNone/>
+            </a:pPr>
+            <a:r>
+              <a:rPr lang="en-US" sz="2400" b="1" noProof="1">
+                <a:latin typeface="Consolas" pitchFamily="49" charset="0"/>
+              </a:rPr>
+              <a:t>  let words = new Set();</a:t>
+            </a:r>
+          </a:p>
+          <a:p>
+            <a:pPr marL="0" indent="0">
+              <a:spcBef>
+                <a:spcPts val="0"/>
+              </a:spcBef>
+              <a:spcAft>
+                <a:spcPts val="0"/>
+              </a:spcAft>
+              <a:buFont typeface="Wingdings" panose="05000000000000000000" pitchFamily="2" charset="2"/>
+              <a:buNone/>
+            </a:pPr>
+            <a:r>
+              <a:rPr lang="en-US" sz="2400" b="1" noProof="1">
+                <a:latin typeface="Consolas" pitchFamily="49" charset="0"/>
+              </a:rPr>
+              <a:t>  for (let sentence of inputSentences) {</a:t>
+            </a:r>
+          </a:p>
+          <a:p>
+            <a:pPr marL="0" indent="0">
+              <a:spcBef>
+                <a:spcPts val="0"/>
+              </a:spcBef>
+              <a:spcAft>
+                <a:spcPts val="0"/>
+              </a:spcAft>
+              <a:buFont typeface="Wingdings" panose="05000000000000000000" pitchFamily="2" charset="2"/>
+              <a:buNone/>
+            </a:pPr>
+            <a:r>
+              <a:rPr lang="en-US" sz="2400" b="1" noProof="1">
+                <a:latin typeface="Consolas" pitchFamily="49" charset="0"/>
+              </a:rPr>
+              <a:t>    let matches = sentence.</a:t>
+            </a:r>
+            <a:r>
+              <a:rPr lang="en-US" sz="2400" b="1" noProof="1">
                 <a:solidFill>
                   <a:schemeClr val="bg1"/>
                 </a:solidFill>
-              </a:rPr>
-              <a:t>/</a:t>
-            </a:r>
-            <a:r>
-              <a:rPr lang="en-US" sz="2400" dirty="0"/>
-              <a:t>g;</a:t>
-            </a:r>
-          </a:p>
-          <a:p>
-            <a:r>
-              <a:rPr lang="en-US" sz="2400" dirty="0"/>
-              <a:t>  let words = </a:t>
-            </a:r>
-            <a:r>
-              <a:rPr lang="en-US" sz="2400" dirty="0">
-                <a:solidFill>
-                  <a:schemeClr val="bg1"/>
-                </a:solidFill>
-              </a:rPr>
-              <a:t>new Set()</a:t>
-            </a:r>
-            <a:r>
-              <a:rPr lang="en-US" sz="2400" dirty="0"/>
-              <a:t>;</a:t>
-            </a:r>
-          </a:p>
-          <a:p>
-            <a:r>
-              <a:rPr lang="en-US" sz="2400" dirty="0"/>
-              <a:t>  </a:t>
-            </a:r>
-            <a:r>
-              <a:rPr lang="en-US" sz="2400" dirty="0">
-                <a:solidFill>
-                  <a:schemeClr val="bg1"/>
-                </a:solidFill>
-              </a:rPr>
-              <a:t>for</a:t>
-            </a:r>
-            <a:r>
-              <a:rPr lang="en-US" sz="2400" dirty="0"/>
-              <a:t> (let sentence </a:t>
-            </a:r>
-            <a:r>
-              <a:rPr lang="en-US" sz="2400" dirty="0">
-                <a:solidFill>
-                  <a:schemeClr val="bg1"/>
-                </a:solidFill>
-              </a:rPr>
-              <a:t>of</a:t>
-            </a:r>
-            <a:r>
-              <a:rPr lang="en-US" sz="2400" dirty="0"/>
-              <a:t> inputSentences) {</a:t>
-            </a:r>
-          </a:p>
-          <a:p>
-            <a:r>
-              <a:rPr lang="en-US" sz="2400" dirty="0"/>
-              <a:t>    let matches = sentence.</a:t>
-            </a:r>
-            <a:r>
-              <a:rPr lang="en-US" sz="2400" dirty="0">
-                <a:solidFill>
-                  <a:schemeClr val="bg1"/>
-                </a:solidFill>
+                <a:latin typeface="Consolas" pitchFamily="49" charset="0"/>
               </a:rPr>
               <a:t>match</a:t>
             </a:r>
             <a:r>
-              <a:rPr lang="en-US" sz="2400" dirty="0"/>
+              <a:rPr lang="en-US" sz="2400" b="1" noProof="1">
+                <a:latin typeface="Consolas" pitchFamily="49" charset="0"/>
+              </a:rPr>
               <a:t>(wordPattern);</a:t>
             </a:r>
           </a:p>
           <a:p>
-            <a:r>
-              <a:rPr lang="en-US" sz="2400" dirty="0"/>
-              <a:t>    matches.</a:t>
-            </a:r>
-            <a:r>
-              <a:rPr lang="en-US" sz="2400" dirty="0">
-                <a:solidFill>
-                  <a:schemeClr val="bg1"/>
-                </a:solidFill>
+            <a:pPr marL="0" indent="0">
+              <a:spcBef>
+                <a:spcPts val="0"/>
+              </a:spcBef>
+              <a:spcAft>
+                <a:spcPts val="0"/>
+              </a:spcAft>
+              <a:buFont typeface="Wingdings" panose="05000000000000000000" pitchFamily="2" charset="2"/>
+              <a:buNone/>
+            </a:pPr>
+            <a:r>
+              <a:rPr lang="en-US" sz="2400" b="1" noProof="1">
+                <a:latin typeface="Consolas" pitchFamily="49" charset="0"/>
               </a:rPr>
-              <a:t>forEach</a:t>
-            </a:r>
-            <a:r>
-              <a:rPr lang="en-US" sz="2400" dirty="0"/>
-              <a:t>(x=&gt;words.</a:t>
-            </a:r>
-            <a:r>
-              <a:rPr lang="en-US" sz="2400" dirty="0">
-                <a:solidFill>
-                  <a:schemeClr val="bg1"/>
-                </a:solidFill>
+              <a:t>    matches.forEach(x =&gt; words.add(x.toLowerCase()));</a:t>
+            </a:r>
+          </a:p>
+          <a:p>
+            <a:pPr marL="0" indent="0">
+              <a:spcBef>
+                <a:spcPts val="0"/>
+              </a:spcBef>
+              <a:spcAft>
+                <a:spcPts val="0"/>
+              </a:spcAft>
+              <a:buFont typeface="Wingdings" panose="05000000000000000000" pitchFamily="2" charset="2"/>
+              <a:buNone/>
+            </a:pPr>
+            <a:r>
+              <a:rPr lang="en-US" sz="2400" b="1" noProof="1">
+                <a:latin typeface="Consolas" pitchFamily="49" charset="0"/>
               </a:rPr>
-              <a:t>add</a:t>
-            </a:r>
-            <a:r>
-              <a:rPr lang="en-US" sz="2400" dirty="0"/>
-              <a:t>(x.</a:t>
-            </a:r>
-            <a:r>
-              <a:rPr lang="en-US" sz="2400" dirty="0">
-                <a:solidFill>
-                  <a:schemeClr val="bg1"/>
-                </a:solidFill>
+              <a:t>  }</a:t>
+            </a:r>
+          </a:p>
+          <a:p>
+            <a:pPr marL="0" indent="0">
+              <a:spcBef>
+                <a:spcPts val="0"/>
+              </a:spcBef>
+              <a:spcAft>
+                <a:spcPts val="0"/>
+              </a:spcAft>
+              <a:buFont typeface="Wingdings" panose="05000000000000000000" pitchFamily="2" charset="2"/>
+              <a:buNone/>
+            </a:pPr>
+            <a:r>
+              <a:rPr lang="en-US" sz="2400" b="1" noProof="1">
+                <a:latin typeface="Consolas" pitchFamily="49" charset="0"/>
               </a:rPr>
-              <a:t>toLowerCase</a:t>
-            </a:r>
-            <a:r>
-              <a:rPr lang="en-US" sz="2400" dirty="0">
-                <a:solidFill>
-                  <a:schemeClr val="accent4"/>
-                </a:solidFill>
+              <a:t>  console.log([...words.values()].join(", "))^;</a:t>
+            </a:r>
+          </a:p>
+          <a:p>
+            <a:pPr marL="0" indent="0">
+              <a:spcBef>
+                <a:spcPts val="0"/>
+              </a:spcBef>
+              <a:spcAft>
+                <a:spcPts val="0"/>
+              </a:spcAft>
+              <a:buFont typeface="Wingdings" panose="05000000000000000000" pitchFamily="2" charset="2"/>
+              <a:buNone/>
+            </a:pPr>
+            <a:r>
+              <a:rPr lang="en-US" sz="2400" b="1" noProof="1">
+                <a:latin typeface="Consolas" pitchFamily="49" charset="0"/>
               </a:rPr>
-              <a:t>()</a:t>
-            </a:r>
-            <a:r>
-              <a:rPr lang="en-US" sz="2400" dirty="0"/>
-              <a:t>));</a:t>
-            </a:r>
-          </a:p>
-          <a:p>
-            <a:r>
-              <a:rPr lang="en-US" sz="2400" dirty="0"/>
-              <a:t>  }</a:t>
-            </a:r>
-          </a:p>
-          <a:p>
-            <a:r>
-              <a:rPr lang="en-US" sz="2400" dirty="0"/>
-              <a:t>  console.log([</a:t>
-            </a:r>
-            <a:r>
-              <a:rPr lang="bg-BG" sz="2400" dirty="0">
-                <a:solidFill>
-                  <a:schemeClr val="accent4"/>
-                </a:solidFill>
-              </a:rPr>
-              <a:t>...</a:t>
-            </a:r>
-            <a:r>
-              <a:rPr lang="en-US" sz="2400" dirty="0"/>
-              <a:t>words.</a:t>
-            </a:r>
-            <a:r>
-              <a:rPr lang="en-US" sz="2400" dirty="0">
-                <a:solidFill>
-                  <a:schemeClr val="bg1"/>
-                </a:solidFill>
-              </a:rPr>
-              <a:t>values()</a:t>
-            </a:r>
-            <a:r>
-              <a:rPr lang="en-US" sz="2400" dirty="0"/>
-              <a:t>].</a:t>
-            </a:r>
-            <a:r>
-              <a:rPr lang="en-US" sz="2400" dirty="0">
-                <a:solidFill>
-                  <a:schemeClr val="bg1"/>
-                </a:solidFill>
-              </a:rPr>
-              <a:t>join</a:t>
-            </a:r>
-            <a:r>
-              <a:rPr lang="en-US" sz="2400" dirty="0"/>
-              <a:t>(", "))^;</a:t>
-            </a:r>
-          </a:p>
-          <a:p>
-            <a:r>
-              <a:rPr lang="en-US" sz="2400" dirty="0"/>
               <a:t>}</a:t>
-            </a:r>
-          </a:p>
-        </p:txBody>
-      </p:sp>
-      <p:sp>
-        <p:nvSpPr>
-          <p:cNvPr id="4" name="Slide Title"/>
-          <p:cNvSpPr>
-            <a:spLocks noGrp="1"/>
-          </p:cNvSpPr>
-          <p:nvPr>
-            <p:ph type="title"/>
-          </p:nvPr>
-        </p:nvSpPr>
-        <p:spPr>
-          <a:xfrm>
-            <a:off x="190405" y="100750"/>
-            <a:ext cx="9669213" cy="882654"/>
-          </a:xfrm>
-        </p:spPr>
-        <p:txBody>
-          <a:bodyPr/>
-          <a:lstStyle/>
-          <a:p>
-            <a:r>
-              <a:rPr lang="en-US" dirty="0"/>
-              <a:t>Solution: Extract Unique Words</a:t>
             </a:r>
           </a:p>
         </p:txBody>
@@ -23004,7 +23395,7 @@
                                           </p:stCondLst>
                                         </p:cTn>
                                         <p:tgtEl>
-                                          <p:spTgt spid="8">
+                                          <p:spTgt spid="12">
                                             <p:txEl>
                                               <p:pRg st="2" end="2"/>
                                             </p:txEl>
@@ -23035,7 +23426,7 @@
                                           </p:stCondLst>
                                         </p:cTn>
                                         <p:tgtEl>
-                                          <p:spTgt spid="8">
+                                          <p:spTgt spid="12">
                                             <p:txEl>
                                               <p:pRg st="3" end="3"/>
                                             </p:txEl>
@@ -23066,7 +23457,7 @@
                                           </p:stCondLst>
                                         </p:cTn>
                                         <p:tgtEl>
-                                          <p:spTgt spid="8">
+                                          <p:spTgt spid="12">
                                             <p:txEl>
                                               <p:pRg st="4" end="4"/>
                                             </p:txEl>
@@ -23097,7 +23488,7 @@
                                           </p:stCondLst>
                                         </p:cTn>
                                         <p:tgtEl>
-                                          <p:spTgt spid="8">
+                                          <p:spTgt spid="12">
                                             <p:txEl>
                                               <p:pRg st="5" end="5"/>
                                             </p:txEl>
@@ -23128,7 +23519,7 @@
                                           </p:stCondLst>
                                         </p:cTn>
                                         <p:tgtEl>
-                                          <p:spTgt spid="8">
+                                          <p:spTgt spid="12">
                                             <p:txEl>
                                               <p:pRg st="6" end="6"/>
                                             </p:txEl>
@@ -23177,7 +23568,7 @@
                                           </p:stCondLst>
                                         </p:cTn>
                                         <p:tgtEl>
-                                          <p:spTgt spid="8">
+                                          <p:spTgt spid="12">
                                             <p:txEl>
                                               <p:pRg st="7" end="7"/>
                                             </p:txEl>
@@ -23226,7 +23617,7 @@
                                           </p:stCondLst>
                                         </p:cTn>
                                         <p:tgtEl>
-                                          <p:spTgt spid="7"/>
+                                          <p:spTgt spid="11"/>
                                         </p:tgtEl>
                                         <p:attrNameLst>
                                           <p:attrName>style.visibility</p:attrName>
@@ -23271,7 +23662,7 @@
                                           </p:stCondLst>
                                         </p:cTn>
                                         <p:tgtEl>
-                                          <p:spTgt spid="5"/>
+                                          <p:spTgt spid="9"/>
                                         </p:tgtEl>
                                         <p:attrNameLst>
                                           <p:attrName>style.visibility</p:attrName>
@@ -23312,8 +23703,8 @@
       </p:par>
     </p:tnLst>
     <p:bldLst>
-      <p:bldP spid="5" grpId="0"/>
-      <p:bldP spid="7" grpId="0" animBg="1"/>
+      <p:bldP spid="9" grpId="0"/>
+      <p:bldP spid="11" grpId="0" animBg="1"/>
     </p:bldLst>
   </p:timing>
 </p:sld>
@@ -23487,199 +23878,210 @@
             <a:off x="2894935" y="2351677"/>
             <a:ext cx="6801517" cy="3668625"/>
           </a:xfrm>
+          <a:solidFill>
+            <a:schemeClr val="accent6">
+              <a:lumMod val="75000"/>
+              <a:alpha val="15000"/>
+            </a:schemeClr>
+          </a:solidFill>
+          <a:ln w="12700">
+            <a:solidFill>
+              <a:schemeClr val="tx1">
+                <a:lumMod val="50000"/>
+              </a:schemeClr>
+            </a:solidFill>
+          </a:ln>
         </p:spPr>
         <p:txBody>
-          <a:bodyPr wrap="square" lIns="144000">
+          <a:bodyPr vert="horz" wrap="square" lIns="144000" tIns="108000" rIns="144000" bIns="108000" rtlCol="0">
             <a:spAutoFit/>
           </a:bodyPr>
           <a:lstStyle/>
           <a:p>
-            <a:pPr>
-              <a:lnSpc>
-                <a:spcPct val="105000"/>
-              </a:lnSpc>
+            <a:pPr marL="0" indent="0">
               <a:spcBef>
                 <a:spcPts val="0"/>
               </a:spcBef>
+              <a:spcAft>
+                <a:spcPts val="0"/>
+              </a:spcAft>
+              <a:buNone/>
             </a:pPr>
             <a:r>
-              <a:rPr lang="en-US" sz="2400" dirty="0">
-                <a:solidFill>
-                  <a:schemeClr val="tx1"/>
-                </a:solidFill>
+              <a:rPr lang="en-US" sz="2400" b="1" dirty="0">
+                <a:latin typeface="Consolas" pitchFamily="49" charset="0"/>
               </a:rPr>
               <a:t>using System;</a:t>
             </a:r>
           </a:p>
           <a:p>
-            <a:pPr>
-              <a:lnSpc>
-                <a:spcPct val="105000"/>
-              </a:lnSpc>
+            <a:pPr marL="0" indent="0">
               <a:spcBef>
                 <a:spcPts val="0"/>
               </a:spcBef>
+              <a:spcAft>
+                <a:spcPts val="0"/>
+              </a:spcAft>
+              <a:buNone/>
             </a:pPr>
-            <a:endParaRPr lang="en-US" sz="2400" dirty="0">
-              <a:solidFill>
-                <a:schemeClr val="tx1"/>
-              </a:solidFill>
+            <a:endParaRPr lang="en-US" sz="2400" b="1" dirty="0">
+              <a:latin typeface="Consolas" pitchFamily="49" charset="0"/>
             </a:endParaRPr>
           </a:p>
           <a:p>
-            <a:pPr>
-              <a:lnSpc>
-                <a:spcPct val="105000"/>
-              </a:lnSpc>
+            <a:pPr marL="0" indent="0">
               <a:spcBef>
                 <a:spcPts val="0"/>
               </a:spcBef>
+              <a:spcAft>
+                <a:spcPts val="0"/>
+              </a:spcAft>
+              <a:buNone/>
             </a:pPr>
             <a:r>
-              <a:rPr lang="en-US" sz="2400" dirty="0">
-                <a:solidFill>
-                  <a:schemeClr val="tx1"/>
-                </a:solidFill>
+              <a:rPr lang="en-US" sz="2400" b="1" dirty="0">
+                <a:latin typeface="Consolas" pitchFamily="49" charset="0"/>
               </a:rPr>
               <a:t>class </a:t>
             </a:r>
             <a:r>
-              <a:rPr lang="en-US" sz="2400" dirty="0">
+              <a:rPr lang="en-US" sz="2400" b="1" dirty="0">
                 <a:solidFill>
                   <a:schemeClr val="bg1"/>
                 </a:solidFill>
+                <a:latin typeface="Consolas" pitchFamily="49" charset="0"/>
               </a:rPr>
               <a:t>HelloCSharp</a:t>
             </a:r>
           </a:p>
           <a:p>
-            <a:pPr>
-              <a:lnSpc>
-                <a:spcPct val="105000"/>
-              </a:lnSpc>
+            <a:pPr marL="0" indent="0">
               <a:spcBef>
                 <a:spcPts val="0"/>
               </a:spcBef>
+              <a:spcAft>
+                <a:spcPts val="0"/>
+              </a:spcAft>
+              <a:buNone/>
             </a:pPr>
             <a:r>
-              <a:rPr lang="en-US" sz="2400" dirty="0">
-                <a:solidFill>
-                  <a:schemeClr val="tx1"/>
-                </a:solidFill>
+              <a:rPr lang="en-US" sz="2400" b="1" dirty="0">
+                <a:latin typeface="Consolas" pitchFamily="49" charset="0"/>
               </a:rPr>
               <a:t>{</a:t>
             </a:r>
           </a:p>
           <a:p>
-            <a:pPr>
-              <a:lnSpc>
-                <a:spcPct val="105000"/>
-              </a:lnSpc>
+            <a:pPr marL="0" indent="0">
               <a:spcBef>
                 <a:spcPts val="0"/>
               </a:spcBef>
+              <a:spcAft>
+                <a:spcPts val="0"/>
+              </a:spcAft>
+              <a:buNone/>
             </a:pPr>
             <a:r>
-              <a:rPr lang="en-US" sz="2400" dirty="0">
-                <a:solidFill>
-                  <a:schemeClr val="tx1"/>
-                </a:solidFill>
+              <a:rPr lang="en-US" sz="2400" b="1" dirty="0">
+                <a:latin typeface="Consolas" pitchFamily="49" charset="0"/>
               </a:rPr>
               <a:t>  static void </a:t>
             </a:r>
             <a:r>
-              <a:rPr lang="en-US" sz="2400" dirty="0">
+              <a:rPr lang="en-US" sz="2400" b="1" dirty="0">
                 <a:solidFill>
                   <a:schemeClr val="bg1"/>
                 </a:solidFill>
+                <a:latin typeface="Consolas" pitchFamily="49" charset="0"/>
               </a:rPr>
-              <a:t>Main()</a:t>
-            </a:r>
-          </a:p>
-          <a:p>
-            <a:pPr>
-              <a:lnSpc>
-                <a:spcPct val="105000"/>
-              </a:lnSpc>
+              <a:t>Main</a:t>
+            </a:r>
+            <a:r>
+              <a:rPr lang="en-US" sz="2400" b="1" dirty="0">
+                <a:latin typeface="Consolas" pitchFamily="49" charset="0"/>
+              </a:rPr>
+              <a:t>()</a:t>
+            </a:r>
+          </a:p>
+          <a:p>
+            <a:pPr marL="0" indent="0">
               <a:spcBef>
                 <a:spcPts val="0"/>
               </a:spcBef>
+              <a:spcAft>
+                <a:spcPts val="0"/>
+              </a:spcAft>
+              <a:buNone/>
             </a:pPr>
             <a:r>
-              <a:rPr lang="en-US" sz="2400" dirty="0">
-                <a:solidFill>
-                  <a:schemeClr val="tx1"/>
-                </a:solidFill>
+              <a:rPr lang="en-US" sz="2400" b="1" dirty="0">
+                <a:latin typeface="Consolas" pitchFamily="49" charset="0"/>
               </a:rPr>
               <a:t>    {</a:t>
             </a:r>
           </a:p>
           <a:p>
-            <a:pPr>
-              <a:lnSpc>
-                <a:spcPct val="105000"/>
-              </a:lnSpc>
+            <a:pPr marL="0" indent="0">
               <a:spcBef>
                 <a:spcPts val="0"/>
               </a:spcBef>
+              <a:spcAft>
+                <a:spcPts val="0"/>
+              </a:spcAft>
+              <a:buNone/>
             </a:pPr>
             <a:r>
-              <a:rPr lang="en-US" sz="2400" dirty="0">
-                <a:solidFill>
-                  <a:schemeClr val="tx1"/>
-                </a:solidFill>
+              <a:rPr lang="en-US" sz="2400" b="1" dirty="0">
+                <a:latin typeface="Consolas" pitchFamily="49" charset="0"/>
               </a:rPr>
               <a:t>      Console.</a:t>
             </a:r>
             <a:r>
-              <a:rPr lang="en-US" sz="2400" dirty="0">
+              <a:rPr lang="en-US" sz="2400" b="1" dirty="0">
                 <a:solidFill>
                   <a:schemeClr val="bg1"/>
                 </a:solidFill>
+                <a:latin typeface="Consolas" pitchFamily="49" charset="0"/>
               </a:rPr>
               <a:t>WriteLine</a:t>
             </a:r>
             <a:r>
-              <a:rPr lang="en-US" sz="2400" dirty="0">
-                <a:solidFill>
-                  <a:schemeClr val="tx1"/>
-                </a:solidFill>
+              <a:rPr lang="en-US" sz="2400" b="1" dirty="0">
+                <a:latin typeface="Consolas" pitchFamily="49" charset="0"/>
               </a:rPr>
               <a:t>("Hello, C#");</a:t>
             </a:r>
           </a:p>
           <a:p>
-            <a:pPr>
-              <a:lnSpc>
-                <a:spcPct val="105000"/>
-              </a:lnSpc>
+            <a:pPr marL="0" indent="0">
               <a:spcBef>
                 <a:spcPts val="0"/>
               </a:spcBef>
+              <a:spcAft>
+                <a:spcPts val="0"/>
+              </a:spcAft>
+              <a:buNone/>
             </a:pPr>
             <a:r>
-              <a:rPr lang="en-US" sz="2400" dirty="0">
-                <a:solidFill>
-                  <a:schemeClr val="tx1"/>
-                </a:solidFill>
+              <a:rPr lang="en-US" sz="2400" b="1" dirty="0">
+                <a:latin typeface="Consolas" pitchFamily="49" charset="0"/>
               </a:rPr>
               <a:t>    }</a:t>
             </a:r>
           </a:p>
           <a:p>
-            <a:pPr>
-              <a:lnSpc>
-                <a:spcPct val="105000"/>
-              </a:lnSpc>
+            <a:pPr marL="0" indent="0">
               <a:spcBef>
                 <a:spcPts val="0"/>
               </a:spcBef>
+              <a:spcAft>
+                <a:spcPts val="0"/>
+              </a:spcAft>
+              <a:buNone/>
             </a:pPr>
             <a:r>
-              <a:rPr lang="en-US" sz="2400" dirty="0">
-                <a:solidFill>
-                  <a:schemeClr val="tx1"/>
-                </a:solidFill>
+              <a:rPr lang="en-US" sz="2400" b="1" dirty="0">
+                <a:latin typeface="Consolas" pitchFamily="49" charset="0"/>
               </a:rPr>
               <a:t>}</a:t>
             </a:r>
@@ -27351,6 +27753,176 @@
       </p:pic>
       <p:sp>
         <p:nvSpPr>
+          <p:cNvPr id="14" name="Text Placeholder Body">
+            <a:extLst>
+              <a:ext uri="{FF2B5EF4-FFF2-40B4-BE49-F238E27FC236}">
+                <a16:creationId xmlns:a16="http://schemas.microsoft.com/office/drawing/2014/main" id="{0E49D336-45B6-44D3-97C4-E28F8DEA2022}"/>
+              </a:ext>
+            </a:extLst>
+          </p:cNvPr>
+          <p:cNvSpPr>
+            <a:spLocks noGrp="1"/>
+          </p:cNvSpPr>
+          <p:nvPr>
+            <p:ph type="body" sz="quarter" idx="10"/>
+          </p:nvPr>
+        </p:nvSpPr>
+        <p:spPr>
+          <a:xfrm>
+            <a:off x="697878" y="1676785"/>
+            <a:ext cx="8446247" cy="4681077"/>
+          </a:xfrm>
+        </p:spPr>
+        <p:txBody>
+          <a:bodyPr/>
+          <a:lstStyle>
+            <a:lvl1pPr marL="514350" indent="-514350">
+              <a:buFont typeface="Wingdings" panose="05000000000000000000" pitchFamily="2" charset="2"/>
+              <a:buChar char="§"/>
+              <a:defRPr>
+                <a:solidFill>
+                  <a:schemeClr val="bg2"/>
+                </a:solidFill>
+              </a:defRPr>
+            </a:lvl1pPr>
+            <a:lvl2pPr marL="1123935" indent="-514350">
+              <a:buFont typeface="Wingdings" panose="05000000000000000000" pitchFamily="2" charset="2"/>
+              <a:buChar char="§"/>
+              <a:defRPr>
+                <a:solidFill>
+                  <a:schemeClr val="tx1"/>
+                </a:solidFill>
+              </a:defRPr>
+            </a:lvl2pPr>
+            <a:lvl3pPr marL="1733520" indent="-514350">
+              <a:buFont typeface="Wingdings" panose="05000000000000000000" pitchFamily="2" charset="2"/>
+              <a:buChar char="§"/>
+              <a:defRPr>
+                <a:solidFill>
+                  <a:schemeClr val="tx1"/>
+                </a:solidFill>
+              </a:defRPr>
+            </a:lvl3pPr>
+            <a:lvl4pPr marL="2343105" indent="-514350">
+              <a:buFont typeface="Wingdings" panose="05000000000000000000" pitchFamily="2" charset="2"/>
+              <a:buChar char="§"/>
+              <a:defRPr>
+                <a:solidFill>
+                  <a:schemeClr val="tx1"/>
+                </a:solidFill>
+              </a:defRPr>
+            </a:lvl4pPr>
+            <a:lvl5pPr marL="2952689" indent="-514350">
+              <a:buFont typeface="Wingdings" panose="05000000000000000000" pitchFamily="2" charset="2"/>
+              <a:buChar char="§"/>
+              <a:defRPr>
+                <a:solidFill>
+                  <a:schemeClr val="tx1"/>
+                </a:solidFill>
+              </a:defRPr>
+            </a:lvl5pPr>
+          </a:lstStyle>
+          <a:p>
+            <a:pPr marL="452438" lvl="0" indent="-452438"/>
+            <a:r>
+              <a:rPr lang="en-US" dirty="0"/>
+              <a:t>Objects in JS hold key value pairs</a:t>
+            </a:r>
+          </a:p>
+          <a:p>
+            <a:pPr marL="452438" lvl="0" indent="-452438">
+              <a:buClr>
+                <a:schemeClr val="bg2"/>
+              </a:buClr>
+            </a:pPr>
+            <a:r>
+              <a:rPr lang="en-US" b="1" dirty="0">
+                <a:solidFill>
+                  <a:schemeClr val="bg1">
+                    <a:lumMod val="60000"/>
+                    <a:lumOff val="40000"/>
+                  </a:schemeClr>
+                </a:solidFill>
+              </a:rPr>
+              <a:t>Maps</a:t>
+            </a:r>
+            <a:r>
+              <a:rPr lang="en-US" dirty="0"/>
+              <a:t> map keys to values, preserves key order</a:t>
+            </a:r>
+          </a:p>
+          <a:p>
+            <a:pPr marL="452438" lvl="0" indent="-452438"/>
+            <a:endParaRPr lang="en-US" dirty="0"/>
+          </a:p>
+          <a:p>
+            <a:pPr marL="452438" lvl="0" indent="-452438"/>
+            <a:endParaRPr lang="en-US" dirty="0"/>
+          </a:p>
+          <a:p>
+            <a:pPr marL="452438" lvl="0" indent="-452438">
+              <a:lnSpc>
+                <a:spcPct val="110000"/>
+              </a:lnSpc>
+              <a:spcBef>
+                <a:spcPts val="1200"/>
+              </a:spcBef>
+              <a:buClr>
+                <a:schemeClr val="bg2"/>
+              </a:buClr>
+            </a:pPr>
+            <a:r>
+              <a:rPr lang="en-US" b="1" dirty="0">
+                <a:solidFill>
+                  <a:schemeClr val="bg1">
+                    <a:lumMod val="60000"/>
+                    <a:lumOff val="40000"/>
+                  </a:schemeClr>
+                </a:solidFill>
+              </a:rPr>
+              <a:t>Sets</a:t>
+            </a:r>
+            <a:r>
+              <a:rPr lang="en-US" dirty="0"/>
+              <a:t> hold unique collection of values</a:t>
+            </a:r>
+          </a:p>
+          <a:p>
+            <a:pPr marL="452438" lvl="0" indent="-452438">
+              <a:buClr>
+                <a:schemeClr val="bg2"/>
+              </a:buClr>
+            </a:pPr>
+            <a:endParaRPr lang="en-US" dirty="0"/>
+          </a:p>
+        </p:txBody>
+      </p:sp>
+      <p:sp>
+        <p:nvSpPr>
+          <p:cNvPr id="4" name="Slide Title"/>
+          <p:cNvSpPr>
+            <a:spLocks noGrp="1"/>
+          </p:cNvSpPr>
+          <p:nvPr>
+            <p:ph type="title"/>
+          </p:nvPr>
+        </p:nvSpPr>
+        <p:spPr/>
+        <p:txBody>
+          <a:bodyPr>
+            <a:normAutofit/>
+          </a:bodyPr>
+          <a:lstStyle/>
+          <a:p>
+            <a:r>
+              <a:rPr lang="en-US" dirty="0"/>
+              <a:t>Summary</a:t>
+            </a:r>
+          </a:p>
+        </p:txBody>
+      </p:sp>
+      <p:sp>
+        <p:nvSpPr>
           <p:cNvPr id="16" name="Text Placeholder Code Box">
             <a:extLst>
               <a:ext uri="{FF2B5EF4-FFF2-40B4-BE49-F238E27FC236}">
@@ -27511,7 +28083,10 @@
             <a:r>
               <a:rPr lang="en-US" dirty="0">
                 <a:solidFill>
-                  <a:schemeClr val="bg1"/>
+                  <a:schemeClr val="bg1">
+                    <a:lumMod val="60000"/>
+                    <a:lumOff val="40000"/>
+                  </a:schemeClr>
                 </a:solidFill>
               </a:rPr>
               <a:t>new Set()</a:t>
@@ -27527,7 +28102,10 @@
             <a:r>
               <a:rPr lang="en-US" dirty="0">
                 <a:solidFill>
-                  <a:schemeClr val="bg1"/>
+                  <a:schemeClr val="bg1">
+                    <a:lumMod val="60000"/>
+                    <a:lumOff val="40000"/>
+                  </a:schemeClr>
                 </a:solidFill>
               </a:rPr>
               <a:t>add</a:t>
@@ -27710,10 +28288,21 @@
             <a:r>
               <a:rPr lang="en-US" dirty="0">
                 <a:solidFill>
+                  <a:schemeClr val="bg1">
+                    <a:lumMod val="60000"/>
+                    <a:lumOff val="40000"/>
+                  </a:schemeClr>
+                </a:solidFill>
+              </a:rPr>
+              <a:t>{</a:t>
+            </a:r>
+            <a:r>
+              <a:rPr lang="en-US" dirty="0">
+                <a:solidFill>
                   <a:schemeClr val="bg1"/>
                 </a:solidFill>
               </a:rPr>
-              <a:t>{ </a:t>
+              <a:t> </a:t>
             </a:r>
             <a:r>
               <a:rPr lang="en-US" dirty="0">
@@ -27726,7 +28315,10 @@
             <a:r>
               <a:rPr lang="en-US" dirty="0">
                 <a:solidFill>
-                  <a:schemeClr val="bg1"/>
+                  <a:schemeClr val="bg1">
+                    <a:lumMod val="60000"/>
+                    <a:lumOff val="40000"/>
+                  </a:schemeClr>
                 </a:solidFill>
               </a:rPr>
               <a:t>};</a:t>
@@ -27746,7 +28338,10 @@
             <a:r>
               <a:rPr lang="en-US" dirty="0">
                 <a:solidFill>
-                  <a:schemeClr val="bg1"/>
+                  <a:schemeClr val="bg1">
+                    <a:lumMod val="60000"/>
+                    <a:lumOff val="40000"/>
+                  </a:schemeClr>
                 </a:solidFill>
               </a:rPr>
               <a:t>delete</a:t>
@@ -27758,170 +28353,6 @@
                 </a:solidFill>
               </a:rPr>
               <a:t> obj.name;</a:t>
-            </a:r>
-          </a:p>
-        </p:txBody>
-      </p:sp>
-      <p:sp>
-        <p:nvSpPr>
-          <p:cNvPr id="14" name="Text Placeholder Body">
-            <a:extLst>
-              <a:ext uri="{FF2B5EF4-FFF2-40B4-BE49-F238E27FC236}">
-                <a16:creationId xmlns:a16="http://schemas.microsoft.com/office/drawing/2014/main" id="{0E49D336-45B6-44D3-97C4-E28F8DEA2022}"/>
-              </a:ext>
-            </a:extLst>
-          </p:cNvPr>
-          <p:cNvSpPr>
-            <a:spLocks noGrp="1"/>
-          </p:cNvSpPr>
-          <p:nvPr>
-            <p:ph type="body" sz="quarter" idx="10"/>
-          </p:nvPr>
-        </p:nvSpPr>
-        <p:spPr>
-          <a:xfrm>
-            <a:off x="697878" y="1676785"/>
-            <a:ext cx="8446247" cy="4681077"/>
-          </a:xfrm>
-        </p:spPr>
-        <p:txBody>
-          <a:bodyPr/>
-          <a:lstStyle>
-            <a:lvl1pPr marL="514350" indent="-514350">
-              <a:buFont typeface="Wingdings" panose="05000000000000000000" pitchFamily="2" charset="2"/>
-              <a:buChar char="§"/>
-              <a:defRPr>
-                <a:solidFill>
-                  <a:schemeClr val="bg2"/>
-                </a:solidFill>
-              </a:defRPr>
-            </a:lvl1pPr>
-            <a:lvl2pPr marL="1123935" indent="-514350">
-              <a:buFont typeface="Wingdings" panose="05000000000000000000" pitchFamily="2" charset="2"/>
-              <a:buChar char="§"/>
-              <a:defRPr>
-                <a:solidFill>
-                  <a:schemeClr val="tx1"/>
-                </a:solidFill>
-              </a:defRPr>
-            </a:lvl2pPr>
-            <a:lvl3pPr marL="1733520" indent="-514350">
-              <a:buFont typeface="Wingdings" panose="05000000000000000000" pitchFamily="2" charset="2"/>
-              <a:buChar char="§"/>
-              <a:defRPr>
-                <a:solidFill>
-                  <a:schemeClr val="tx1"/>
-                </a:solidFill>
-              </a:defRPr>
-            </a:lvl3pPr>
-            <a:lvl4pPr marL="2343105" indent="-514350">
-              <a:buFont typeface="Wingdings" panose="05000000000000000000" pitchFamily="2" charset="2"/>
-              <a:buChar char="§"/>
-              <a:defRPr>
-                <a:solidFill>
-                  <a:schemeClr val="tx1"/>
-                </a:solidFill>
-              </a:defRPr>
-            </a:lvl4pPr>
-            <a:lvl5pPr marL="2952689" indent="-514350">
-              <a:buFont typeface="Wingdings" panose="05000000000000000000" pitchFamily="2" charset="2"/>
-              <a:buChar char="§"/>
-              <a:defRPr>
-                <a:solidFill>
-                  <a:schemeClr val="tx1"/>
-                </a:solidFill>
-              </a:defRPr>
-            </a:lvl5pPr>
-          </a:lstStyle>
-          <a:p>
-            <a:pPr marL="452438" lvl="0" indent="-452438"/>
-            <a:r>
-              <a:rPr lang="en-US" dirty="0"/>
-              <a:t>Objects in JS hold key value pairs</a:t>
-            </a:r>
-          </a:p>
-          <a:p>
-            <a:pPr marL="452438" lvl="0" indent="-452438">
-              <a:buClr>
-                <a:schemeClr val="bg2"/>
-              </a:buClr>
-            </a:pPr>
-            <a:r>
-              <a:rPr lang="en-US" dirty="0">
-                <a:solidFill>
-                  <a:schemeClr val="bg1"/>
-                </a:solidFill>
-              </a:rPr>
-              <a:t>Maps</a:t>
-            </a:r>
-            <a:r>
-              <a:rPr lang="en-US" dirty="0"/>
-              <a:t> map keys to values, preserves key order</a:t>
-            </a:r>
-          </a:p>
-          <a:p>
-            <a:pPr marL="452438" lvl="0" indent="-452438"/>
-            <a:endParaRPr lang="en-US" dirty="0"/>
-          </a:p>
-          <a:p>
-            <a:pPr marL="452438" lvl="0" indent="-452438"/>
-            <a:endParaRPr lang="en-US" dirty="0"/>
-          </a:p>
-          <a:p>
-            <a:pPr marL="452438" lvl="0" indent="-452438">
-              <a:lnSpc>
-                <a:spcPct val="110000"/>
-              </a:lnSpc>
-              <a:spcBef>
-                <a:spcPts val="1200"/>
-              </a:spcBef>
-              <a:buClr>
-                <a:schemeClr val="bg2"/>
-              </a:buClr>
-            </a:pPr>
-            <a:r>
-              <a:rPr lang="en-US" dirty="0">
-                <a:solidFill>
-                  <a:schemeClr val="bg1"/>
-                </a:solidFill>
-              </a:rPr>
-              <a:t>Sets</a:t>
-            </a:r>
-            <a:r>
-              <a:rPr lang="en-US" dirty="0"/>
-              <a:t> hold unique collection of values</a:t>
-            </a:r>
-          </a:p>
-          <a:p>
-            <a:pPr marL="452438" lvl="0" indent="-452438">
-              <a:buClr>
-                <a:schemeClr val="bg2"/>
-              </a:buClr>
-            </a:pPr>
-            <a:endParaRPr lang="en-US" dirty="0"/>
-          </a:p>
-        </p:txBody>
-      </p:sp>
-      <p:sp>
-        <p:nvSpPr>
-          <p:cNvPr id="4" name="Slide Title"/>
-          <p:cNvSpPr>
-            <a:spLocks noGrp="1"/>
-          </p:cNvSpPr>
-          <p:nvPr>
-            <p:ph type="title"/>
-          </p:nvPr>
-        </p:nvSpPr>
-        <p:spPr/>
-        <p:txBody>
-          <a:bodyPr>
-            <a:normAutofit/>
-          </a:bodyPr>
-          <a:lstStyle/>
-          <a:p>
-            <a:r>
-              <a:rPr lang="en-US" dirty="0"/>
-              <a:t>Summary</a:t>
             </a:r>
           </a:p>
         </p:txBody>
@@ -32210,87 +32641,70 @@
           <a:lstStyle/>
           <a:p>
             <a:r>
-              <a:rPr lang="en-US" dirty="0"/>
+              <a:rPr lang="en-US" noProof="1"/>
               <a:t>class Abstract {</a:t>
             </a:r>
           </a:p>
           <a:p>
             <a:r>
-              <a:rPr lang="en-US" dirty="0"/>
+              <a:rPr lang="en-US" noProof="1"/>
               <a:t>  constructor() {</a:t>
             </a:r>
           </a:p>
           <a:p>
             <a:r>
-              <a:rPr lang="en-US" dirty="0"/>
+              <a:rPr lang="en-US" noProof="1"/>
               <a:t>    if (</a:t>
             </a:r>
             <a:r>
-              <a:rPr lang="en-US" dirty="0" err="1">
+              <a:rPr lang="en-US" noProof="1">
                 <a:solidFill>
                   <a:schemeClr val="bg1"/>
                 </a:solidFill>
               </a:rPr>
-              <a:t>new.target</a:t>
-            </a:r>
-            <a:r>
-              <a:rPr lang="en-US" dirty="0">
+              <a:t>new.target </a:t>
+            </a:r>
+            <a:r>
+              <a:rPr lang="en-US" noProof="1"/>
+              <a:t>=== Abstract) {</a:t>
+            </a:r>
+          </a:p>
+          <a:p>
+            <a:pPr marL="1617663" indent="-1617663"/>
+            <a:r>
+              <a:rPr lang="en-US" noProof="1"/>
+              <a:t>      </a:t>
+            </a:r>
+            <a:r>
+              <a:rPr lang="en-US" noProof="1">
                 <a:solidFill>
                   <a:schemeClr val="bg1"/>
                 </a:solidFill>
               </a:rPr>
-              <a:t> </a:t>
-            </a:r>
-            <a:r>
-              <a:rPr lang="en-US" dirty="0"/>
-              <a:t>=== Abstract) {</a:t>
-            </a:r>
-          </a:p>
-          <a:p>
-            <a:pPr marL="1617663" indent="-1617663"/>
-            <a:r>
-              <a:rPr lang="en-US" dirty="0"/>
-              <a:t>      </a:t>
-            </a:r>
-            <a:r>
-              <a:rPr lang="en-US" dirty="0">
-                <a:solidFill>
-                  <a:schemeClr val="bg1"/>
-                </a:solidFill>
-              </a:rPr>
-              <a:t>throw new </a:t>
-            </a:r>
-            <a:r>
-              <a:rPr lang="en-US" dirty="0" err="1">
-                <a:solidFill>
-                  <a:schemeClr val="bg1"/>
-                </a:solidFill>
-              </a:rPr>
-              <a:t>TypeError</a:t>
-            </a:r>
-            <a:r>
-              <a:rPr lang="en-US" dirty="0"/>
+              <a:t>throw new TypeError</a:t>
+            </a:r>
+            <a:r>
+              <a:rPr lang="en-US" noProof="1"/>
               <a:t>("Cannot construct Abstract instances directly");</a:t>
             </a:r>
           </a:p>
           <a:p>
             <a:r>
-              <a:rPr lang="en-US" dirty="0"/>
+              <a:rPr lang="en-US" noProof="1"/>
               <a:t>    }</a:t>
             </a:r>
           </a:p>
           <a:p>
             <a:r>
-              <a:rPr lang="en-US" dirty="0"/>
+              <a:rPr lang="en-US" noProof="1"/>
               <a:t>  }</a:t>
             </a:r>
           </a:p>
           <a:p>
             <a:r>
-              <a:rPr lang="en-US" dirty="0"/>
+              <a:rPr lang="en-US" noProof="1"/>
               <a:t>}</a:t>
             </a:r>
-            <a:endParaRPr lang="bg-BG" dirty="0"/>
           </a:p>
         </p:txBody>
       </p:sp>
